--- a/docs/PT_Architecture.pptx
+++ b/docs/PT_Architecture.pptx
@@ -104,6 +104,11 @@
       </a:defRPr>
     </a:lvl9pPr>
   </p:defaultTextStyle>
+  <p:extLst>
+    <p:ext uri="{EFAFB233-063F-42B5-8137-9DF3F51BA10A}">
+      <p15:sldGuideLst xmlns:p15="http://schemas.microsoft.com/office/powerpoint/2012/main"/>
+    </p:ext>
+  </p:extLst>
 </p:presentation>
 </file>
 
@@ -2972,8 +2977,8 @@
         </p:nvGrpSpPr>
         <p:grpSpPr>
           <a:xfrm>
-            <a:off x="1881847" y="545004"/>
-            <a:ext cx="7164755" cy="5936069"/>
+            <a:off x="1881847" y="545005"/>
+            <a:ext cx="7047000" cy="3892524"/>
             <a:chOff x="1881847" y="545004"/>
             <a:chExt cx="7164755" cy="5936069"/>
           </a:xfrm>
@@ -3015,10 +3020,10 @@
             <a:p>
               <a:pPr algn="ctr"/>
               <a:r>
-                <a:rPr lang="en-US" sz="1200" dirty="0" smtClean="0"/>
+                <a:rPr lang="en-US" sz="1000" dirty="0" smtClean="0"/>
                 <a:t>Proxy Server (NGINX)</a:t>
               </a:r>
-              <a:endParaRPr lang="en-US" sz="1200" dirty="0"/>
+              <a:endParaRPr lang="en-US" sz="1000" dirty="0"/>
             </a:p>
           </p:txBody>
         </p:sp>
@@ -3059,24 +3064,24 @@
             <a:p>
               <a:pPr algn="ctr"/>
               <a:r>
-                <a:rPr lang="en-US" sz="1200" dirty="0" smtClean="0"/>
+                <a:rPr lang="en-US" sz="1000" dirty="0" smtClean="0"/>
                 <a:t>Portfolio Tracker </a:t>
               </a:r>
             </a:p>
             <a:p>
               <a:pPr algn="ctr"/>
               <a:r>
-                <a:rPr lang="en-US" sz="1200" dirty="0" smtClean="0"/>
+                <a:rPr lang="en-US" sz="1000" dirty="0" smtClean="0"/>
                 <a:t>Web App</a:t>
               </a:r>
             </a:p>
             <a:p>
               <a:pPr algn="ctr"/>
               <a:r>
-                <a:rPr lang="en-US" sz="1200" dirty="0" smtClean="0"/>
+                <a:rPr lang="en-US" sz="1000" dirty="0" smtClean="0"/>
                 <a:t>(Angular)</a:t>
               </a:r>
-              <a:endParaRPr lang="en-US" sz="1200" dirty="0"/>
+              <a:endParaRPr lang="en-US" sz="1000" dirty="0"/>
             </a:p>
           </p:txBody>
         </p:sp>
@@ -3272,7 +3277,7 @@
               <a:lstStyle/>
               <a:p>
                 <a:pPr algn="ctr"/>
-                <a:endParaRPr lang="en-US" sz="1200"/>
+                <a:endParaRPr lang="en-US" sz="1000"/>
               </a:p>
             </p:txBody>
           </p:sp>
@@ -3313,25 +3318,25 @@
               <a:p>
                 <a:pPr algn="ctr"/>
                 <a:r>
-                  <a:rPr lang="en-US" sz="1200" dirty="0" smtClean="0"/>
+                  <a:rPr lang="en-US" sz="1000" dirty="0" smtClean="0"/>
                   <a:t>Users</a:t>
                 </a:r>
               </a:p>
               <a:p>
                 <a:pPr algn="ctr"/>
                 <a:r>
-                  <a:rPr lang="en-US" sz="1200" dirty="0" smtClean="0"/>
+                  <a:rPr lang="en-US" sz="1000" dirty="0" smtClean="0"/>
                   <a:t>(</a:t>
                 </a:r>
                 <a:r>
-                  <a:rPr lang="en-US" sz="1200" dirty="0" err="1" smtClean="0"/>
+                  <a:rPr lang="en-US" sz="1000" dirty="0" err="1" smtClean="0"/>
                   <a:t>MongoDB</a:t>
                 </a:r>
                 <a:r>
-                  <a:rPr lang="en-US" sz="1200" dirty="0" smtClean="0"/>
+                  <a:rPr lang="en-US" sz="1000" dirty="0" smtClean="0"/>
                   <a:t>)</a:t>
                 </a:r>
-                <a:endParaRPr lang="en-US" sz="1200" dirty="0"/>
+                <a:endParaRPr lang="en-US" sz="1000" dirty="0"/>
               </a:p>
             </p:txBody>
           </p:sp>
@@ -3372,25 +3377,25 @@
               <a:p>
                 <a:pPr algn="ctr"/>
                 <a:r>
-                  <a:rPr lang="en-US" sz="1200" dirty="0" smtClean="0"/>
+                  <a:rPr lang="en-US" sz="1000" dirty="0" smtClean="0"/>
                   <a:t>User Management API</a:t>
                 </a:r>
               </a:p>
               <a:p>
                 <a:pPr algn="ctr"/>
                 <a:r>
-                  <a:rPr lang="en-US" sz="1200" dirty="0" smtClean="0"/>
+                  <a:rPr lang="en-US" sz="1000" dirty="0" smtClean="0"/>
                   <a:t> (</a:t>
                 </a:r>
                 <a:r>
-                  <a:rPr lang="en-US" sz="1200" dirty="0" err="1" smtClean="0"/>
+                  <a:rPr lang="en-US" sz="1000" dirty="0" err="1" smtClean="0"/>
                   <a:t>Node.js</a:t>
                 </a:r>
                 <a:r>
-                  <a:rPr lang="en-US" sz="1200" dirty="0" smtClean="0"/>
+                  <a:rPr lang="en-US" sz="1000" dirty="0" smtClean="0"/>
                   <a:t>)</a:t>
                 </a:r>
-                <a:endParaRPr lang="en-US" sz="1200" dirty="0"/>
+                <a:endParaRPr lang="en-US" sz="1000" dirty="0"/>
               </a:p>
             </p:txBody>
           </p:sp>
@@ -3479,25 +3484,25 @@
               <a:p>
                 <a:pPr algn="ctr"/>
                 <a:r>
-                  <a:rPr lang="en-US" sz="1200" dirty="0" smtClean="0"/>
+                  <a:rPr lang="en-US" sz="1000" dirty="0" smtClean="0"/>
                   <a:t>Accounts</a:t>
                 </a:r>
               </a:p>
               <a:p>
                 <a:pPr algn="ctr"/>
                 <a:r>
-                  <a:rPr lang="en-US" sz="1200" dirty="0" smtClean="0"/>
+                  <a:rPr lang="en-US" sz="1000" dirty="0" smtClean="0"/>
                   <a:t>(</a:t>
                 </a:r>
                 <a:r>
-                  <a:rPr lang="en-US" sz="1200" dirty="0" err="1" smtClean="0"/>
+                  <a:rPr lang="en-US" sz="1000" dirty="0" err="1" smtClean="0"/>
                   <a:t>MongoDB</a:t>
                 </a:r>
                 <a:r>
-                  <a:rPr lang="en-US" sz="1200" dirty="0" smtClean="0"/>
+                  <a:rPr lang="en-US" sz="1000" dirty="0" smtClean="0"/>
                   <a:t>)</a:t>
                 </a:r>
-                <a:endParaRPr lang="en-US" sz="1200" dirty="0"/>
+                <a:endParaRPr lang="en-US" sz="1000" dirty="0"/>
               </a:p>
             </p:txBody>
           </p:sp>
@@ -3538,32 +3543,32 @@
               <a:p>
                 <a:pPr algn="ctr"/>
                 <a:r>
-                  <a:rPr lang="en-US" sz="1200" dirty="0" smtClean="0"/>
+                  <a:rPr lang="en-US" sz="1000" dirty="0" smtClean="0"/>
                   <a:t>Account Management </a:t>
                 </a:r>
               </a:p>
               <a:p>
                 <a:pPr algn="ctr"/>
                 <a:r>
-                  <a:rPr lang="en-US" sz="1200" dirty="0" smtClean="0"/>
+                  <a:rPr lang="en-US" sz="1000" dirty="0" smtClean="0"/>
                   <a:t>API</a:t>
                 </a:r>
               </a:p>
               <a:p>
                 <a:pPr algn="ctr"/>
                 <a:r>
-                  <a:rPr lang="en-US" sz="1200" dirty="0" smtClean="0"/>
+                  <a:rPr lang="en-US" sz="1000" dirty="0" smtClean="0"/>
                   <a:t>(</a:t>
                 </a:r>
                 <a:r>
-                  <a:rPr lang="en-US" sz="1200" dirty="0" err="1" smtClean="0"/>
+                  <a:rPr lang="en-US" sz="1000" dirty="0" err="1" smtClean="0"/>
                   <a:t>Node.js</a:t>
                 </a:r>
                 <a:r>
-                  <a:rPr lang="en-US" sz="1200" dirty="0" smtClean="0"/>
+                  <a:rPr lang="en-US" sz="1000" dirty="0" smtClean="0"/>
                   <a:t>)</a:t>
                 </a:r>
-                <a:endParaRPr lang="en-US" sz="1200" dirty="0"/>
+                <a:endParaRPr lang="en-US" sz="1000" dirty="0"/>
               </a:p>
             </p:txBody>
           </p:sp>
@@ -3644,7 +3649,7 @@
               <a:lstStyle/>
               <a:p>
                 <a:pPr algn="ctr"/>
-                <a:endParaRPr lang="en-US" sz="1200"/>
+                <a:endParaRPr lang="en-US" sz="1000"/>
               </a:p>
             </p:txBody>
           </p:sp>
@@ -3700,32 +3705,32 @@
               <a:p>
                 <a:pPr algn="ctr"/>
                 <a:r>
-                  <a:rPr lang="en-US" sz="1200" dirty="0" smtClean="0"/>
+                  <a:rPr lang="en-US" sz="1000" dirty="0" smtClean="0"/>
                   <a:t>Financial  Data </a:t>
                 </a:r>
               </a:p>
               <a:p>
                 <a:pPr algn="ctr"/>
                 <a:r>
-                  <a:rPr lang="en-US" sz="1200" dirty="0" smtClean="0"/>
+                  <a:rPr lang="en-US" sz="1000" dirty="0" smtClean="0"/>
                   <a:t>API</a:t>
                 </a:r>
               </a:p>
               <a:p>
                 <a:pPr algn="ctr"/>
                 <a:r>
-                  <a:rPr lang="en-US" sz="1200" dirty="0" smtClean="0"/>
+                  <a:rPr lang="en-US" sz="1000" dirty="0" smtClean="0"/>
                   <a:t>(</a:t>
                 </a:r>
                 <a:r>
-                  <a:rPr lang="en-US" sz="1200" dirty="0" err="1" smtClean="0"/>
+                  <a:rPr lang="en-US" sz="1000" dirty="0" err="1" smtClean="0"/>
                   <a:t>Node.js</a:t>
                 </a:r>
                 <a:r>
-                  <a:rPr lang="en-US" sz="1200" dirty="0" smtClean="0"/>
+                  <a:rPr lang="en-US" sz="1000" dirty="0" smtClean="0"/>
                   <a:t>)</a:t>
                 </a:r>
-                <a:endParaRPr lang="en-US" sz="1200" dirty="0"/>
+                <a:endParaRPr lang="en-US" sz="1000" dirty="0"/>
               </a:p>
             </p:txBody>
           </p:sp>
@@ -3806,7 +3811,7 @@
               <a:lstStyle/>
               <a:p>
                 <a:pPr algn="ctr"/>
-                <a:endParaRPr lang="en-US" sz="1200"/>
+                <a:endParaRPr lang="en-US" sz="1000"/>
               </a:p>
             </p:txBody>
           </p:sp>
@@ -3847,17 +3852,17 @@
               <a:p>
                 <a:pPr algn="ctr"/>
                 <a:r>
-                  <a:rPr lang="en-US" sz="1200" dirty="0" smtClean="0"/>
+                  <a:rPr lang="en-US" sz="1000" dirty="0" smtClean="0"/>
                   <a:t>Stock API</a:t>
                 </a:r>
               </a:p>
               <a:p>
                 <a:pPr algn="ctr"/>
                 <a:r>
-                  <a:rPr lang="en-US" sz="1200" dirty="0" smtClean="0"/>
+                  <a:rPr lang="en-US" sz="1000" dirty="0" smtClean="0"/>
                   <a:t> (CSV Format)</a:t>
                 </a:r>
-                <a:endParaRPr lang="en-US" sz="1200" dirty="0"/>
+                <a:endParaRPr lang="en-US" sz="1000" dirty="0"/>
               </a:p>
             </p:txBody>
           </p:sp>

--- a/docs/PT_Architecture.pptx
+++ b/docs/PT_Architecture.pptx
@@ -2969,30 +2969,371 @@
           <a:chExt cx="0" cy="0"/>
         </a:xfrm>
       </p:grpSpPr>
+      <p:sp>
+        <p:nvSpPr>
+          <p:cNvPr id="11" name="Rectangle 10"/>
+          <p:cNvSpPr/>
+          <p:nvPr/>
+        </p:nvSpPr>
+        <p:spPr>
+          <a:xfrm>
+            <a:off x="1338315" y="1267099"/>
+            <a:ext cx="3134784" cy="331335"/>
+          </a:xfrm>
+          <a:prstGeom prst="rect">
+            <a:avLst/>
+          </a:prstGeom>
+        </p:spPr>
+        <p:style>
+          <a:lnRef idx="2">
+            <a:schemeClr val="accent1">
+              <a:shade val="50000"/>
+            </a:schemeClr>
+          </a:lnRef>
+          <a:fillRef idx="1">
+            <a:schemeClr val="accent1"/>
+          </a:fillRef>
+          <a:effectRef idx="0">
+            <a:schemeClr val="accent1"/>
+          </a:effectRef>
+          <a:fontRef idx="minor">
+            <a:schemeClr val="lt1"/>
+          </a:fontRef>
+        </p:style>
+        <p:txBody>
+          <a:bodyPr rtlCol="0" anchor="ctr"/>
+          <a:lstStyle/>
+          <a:p>
+            <a:pPr algn="ctr"/>
+            <a:r>
+              <a:rPr lang="en-US" sz="1000" dirty="0" smtClean="0"/>
+              <a:t>Proxy Server (NGINX)</a:t>
+            </a:r>
+            <a:endParaRPr lang="en-US" sz="1000" dirty="0"/>
+          </a:p>
+        </p:txBody>
+      </p:sp>
+      <p:sp>
+        <p:nvSpPr>
+          <p:cNvPr id="12" name="Rectangle 11"/>
+          <p:cNvSpPr/>
+          <p:nvPr/>
+        </p:nvSpPr>
+        <p:spPr>
+          <a:xfrm>
+            <a:off x="2025528" y="486060"/>
+            <a:ext cx="1763281" cy="509561"/>
+          </a:xfrm>
+          <a:prstGeom prst="rect">
+            <a:avLst/>
+          </a:prstGeom>
+        </p:spPr>
+        <p:style>
+          <a:lnRef idx="2">
+            <a:schemeClr val="accent1">
+              <a:shade val="50000"/>
+            </a:schemeClr>
+          </a:lnRef>
+          <a:fillRef idx="1">
+            <a:schemeClr val="accent1"/>
+          </a:fillRef>
+          <a:effectRef idx="0">
+            <a:schemeClr val="accent1"/>
+          </a:effectRef>
+          <a:fontRef idx="minor">
+            <a:schemeClr val="lt1"/>
+          </a:fontRef>
+        </p:style>
+        <p:txBody>
+          <a:bodyPr rtlCol="0" anchor="ctr"/>
+          <a:lstStyle/>
+          <a:p>
+            <a:pPr algn="ctr"/>
+            <a:r>
+              <a:rPr lang="en-US" sz="1000" dirty="0" smtClean="0"/>
+              <a:t>Portfolio Tracker </a:t>
+            </a:r>
+            <a:r>
+              <a:rPr lang="en-US" sz="1000" dirty="0" smtClean="0"/>
+              <a:t>Web </a:t>
+            </a:r>
+            <a:r>
+              <a:rPr lang="en-US" sz="1000" dirty="0" smtClean="0"/>
+              <a:t>App</a:t>
+            </a:r>
+          </a:p>
+          <a:p>
+            <a:pPr algn="ctr"/>
+            <a:r>
+              <a:rPr lang="en-US" sz="1000" dirty="0" smtClean="0"/>
+              <a:t>(Angular)</a:t>
+            </a:r>
+            <a:endParaRPr lang="en-US" sz="1000" dirty="0"/>
+          </a:p>
+        </p:txBody>
+      </p:sp>
+      <p:cxnSp>
+        <p:nvCxnSpPr>
+          <p:cNvPr id="17" name="Straight Connector 16"/>
+          <p:cNvCxnSpPr>
+            <a:stCxn id="12" idx="2"/>
+            <a:endCxn id="11" idx="0"/>
+          </p:cNvCxnSpPr>
+          <p:nvPr/>
+        </p:nvCxnSpPr>
+        <p:spPr>
+          <a:xfrm flipH="1">
+            <a:off x="2905707" y="995621"/>
+            <a:ext cx="1462" cy="271479"/>
+          </a:xfrm>
+          <a:prstGeom prst="line">
+            <a:avLst/>
+          </a:prstGeom>
+        </p:spPr>
+        <p:style>
+          <a:lnRef idx="1">
+            <a:schemeClr val="accent1"/>
+          </a:lnRef>
+          <a:fillRef idx="0">
+            <a:schemeClr val="accent1"/>
+          </a:fillRef>
+          <a:effectRef idx="0">
+            <a:schemeClr val="accent1"/>
+          </a:effectRef>
+          <a:fontRef idx="minor">
+            <a:schemeClr val="tx1"/>
+          </a:fontRef>
+        </p:style>
+      </p:cxnSp>
+      <p:cxnSp>
+        <p:nvCxnSpPr>
+          <p:cNvPr id="21" name="Elbow Connector 20"/>
+          <p:cNvCxnSpPr/>
+          <p:nvPr/>
+        </p:nvCxnSpPr>
+        <p:spPr>
+          <a:xfrm rot="16200000" flipH="1">
+            <a:off x="3338633" y="1152061"/>
+            <a:ext cx="794938" cy="1660790"/>
+          </a:xfrm>
+          <a:prstGeom prst="bentConnector3">
+            <a:avLst/>
+          </a:prstGeom>
+        </p:spPr>
+        <p:style>
+          <a:lnRef idx="1">
+            <a:schemeClr val="accent1"/>
+          </a:lnRef>
+          <a:fillRef idx="0">
+            <a:schemeClr val="accent1"/>
+          </a:fillRef>
+          <a:effectRef idx="0">
+            <a:schemeClr val="accent1"/>
+          </a:effectRef>
+          <a:fontRef idx="minor">
+            <a:schemeClr val="tx1"/>
+          </a:fontRef>
+        </p:style>
+      </p:cxnSp>
+      <p:cxnSp>
+        <p:nvCxnSpPr>
+          <p:cNvPr id="25" name="Elbow Connector 24"/>
+          <p:cNvCxnSpPr>
+            <a:stCxn id="11" idx="2"/>
+            <a:endCxn id="35" idx="0"/>
+          </p:cNvCxnSpPr>
+          <p:nvPr/>
+        </p:nvCxnSpPr>
+        <p:spPr>
+          <a:xfrm rot="5400000">
+            <a:off x="1666326" y="1116975"/>
+            <a:ext cx="757923" cy="1720840"/>
+          </a:xfrm>
+          <a:prstGeom prst="bentConnector3">
+            <a:avLst>
+              <a:gd name="adj1" fmla="val 50000"/>
+            </a:avLst>
+          </a:prstGeom>
+        </p:spPr>
+        <p:style>
+          <a:lnRef idx="1">
+            <a:schemeClr val="accent1"/>
+          </a:lnRef>
+          <a:fillRef idx="0">
+            <a:schemeClr val="accent1"/>
+          </a:fillRef>
+          <a:effectRef idx="0">
+            <a:schemeClr val="accent1"/>
+          </a:effectRef>
+          <a:fontRef idx="minor">
+            <a:schemeClr val="tx1"/>
+          </a:fontRef>
+        </p:style>
+      </p:cxnSp>
+      <p:cxnSp>
+        <p:nvCxnSpPr>
+          <p:cNvPr id="28" name="Elbow Connector 27"/>
+          <p:cNvCxnSpPr>
+            <a:stCxn id="11" idx="2"/>
+            <a:endCxn id="52" idx="0"/>
+          </p:cNvCxnSpPr>
+          <p:nvPr/>
+        </p:nvCxnSpPr>
+        <p:spPr>
+          <a:xfrm rot="5400000">
+            <a:off x="2511225" y="1991890"/>
+            <a:ext cx="787939" cy="1027"/>
+          </a:xfrm>
+          <a:prstGeom prst="bentConnector3">
+            <a:avLst/>
+          </a:prstGeom>
+        </p:spPr>
+        <p:style>
+          <a:lnRef idx="1">
+            <a:schemeClr val="accent1"/>
+          </a:lnRef>
+          <a:fillRef idx="0">
+            <a:schemeClr val="accent1"/>
+          </a:fillRef>
+          <a:effectRef idx="0">
+            <a:schemeClr val="accent1"/>
+          </a:effectRef>
+          <a:fontRef idx="minor">
+            <a:schemeClr val="tx1"/>
+          </a:fontRef>
+        </p:style>
+      </p:cxnSp>
       <p:grpSp>
         <p:nvGrpSpPr>
-          <p:cNvPr id="101" name="Group 100"/>
+          <p:cNvPr id="78" name="Group 77"/>
           <p:cNvGrpSpPr/>
           <p:nvPr/>
         </p:nvGrpSpPr>
         <p:grpSpPr>
           <a:xfrm>
-            <a:off x="1881847" y="545005"/>
-            <a:ext cx="7047000" cy="3892524"/>
-            <a:chOff x="1881847" y="545004"/>
-            <a:chExt cx="7164755" cy="5936069"/>
+            <a:off x="498696" y="2356357"/>
+            <a:ext cx="1372341" cy="1922278"/>
+            <a:chOff x="2736971" y="3549615"/>
+            <a:chExt cx="1395273" cy="2931459"/>
           </a:xfrm>
         </p:grpSpPr>
         <p:sp>
           <p:nvSpPr>
-            <p:cNvPr id="11" name="Rectangle 10"/>
+            <p:cNvPr id="35" name="Rounded Rectangle 34"/>
             <p:cNvSpPr/>
             <p:nvPr/>
           </p:nvSpPr>
           <p:spPr>
             <a:xfrm>
-              <a:off x="3805520" y="1736083"/>
-              <a:ext cx="3187166" cy="505283"/>
+              <a:off x="2736971" y="3549615"/>
+              <a:ext cx="1395273" cy="2931459"/>
+            </a:xfrm>
+            <a:prstGeom prst="roundRect">
+              <a:avLst/>
+            </a:prstGeom>
+            <a:noFill/>
+            <a:ln>
+              <a:solidFill>
+                <a:schemeClr val="accent1">
+                  <a:shade val="50000"/>
+                </a:schemeClr>
+              </a:solidFill>
+            </a:ln>
+          </p:spPr>
+          <p:style>
+            <a:lnRef idx="2">
+              <a:schemeClr val="accent1">
+                <a:shade val="50000"/>
+              </a:schemeClr>
+            </a:lnRef>
+            <a:fillRef idx="1">
+              <a:schemeClr val="accent1"/>
+            </a:fillRef>
+            <a:effectRef idx="0">
+              <a:schemeClr val="accent1"/>
+            </a:effectRef>
+            <a:fontRef idx="minor">
+              <a:schemeClr val="lt1"/>
+            </a:fontRef>
+          </p:style>
+          <p:txBody>
+            <a:bodyPr rtlCol="0" anchor="ctr"/>
+            <a:lstStyle/>
+            <a:p>
+              <a:pPr algn="ctr"/>
+              <a:endParaRPr lang="en-US" sz="1000"/>
+            </a:p>
+          </p:txBody>
+        </p:sp>
+        <p:sp>
+          <p:nvSpPr>
+            <p:cNvPr id="4" name="Can 3"/>
+            <p:cNvSpPr/>
+            <p:nvPr/>
+          </p:nvSpPr>
+          <p:spPr>
+            <a:xfrm>
+              <a:off x="2955295" y="5367415"/>
+              <a:ext cx="944530" cy="912362"/>
+            </a:xfrm>
+            <a:prstGeom prst="can">
+              <a:avLst/>
+            </a:prstGeom>
+          </p:spPr>
+          <p:style>
+            <a:lnRef idx="2">
+              <a:schemeClr val="accent1">
+                <a:shade val="50000"/>
+              </a:schemeClr>
+            </a:lnRef>
+            <a:fillRef idx="1">
+              <a:schemeClr val="accent1"/>
+            </a:fillRef>
+            <a:effectRef idx="0">
+              <a:schemeClr val="accent1"/>
+            </a:effectRef>
+            <a:fontRef idx="minor">
+              <a:schemeClr val="lt1"/>
+            </a:fontRef>
+          </p:style>
+          <p:txBody>
+            <a:bodyPr rtlCol="0" anchor="ctr"/>
+            <a:lstStyle/>
+            <a:p>
+              <a:pPr algn="ctr"/>
+              <a:r>
+                <a:rPr lang="en-US" sz="1000" dirty="0" smtClean="0"/>
+                <a:t>Users</a:t>
+              </a:r>
+            </a:p>
+            <a:p>
+              <a:pPr algn="ctr"/>
+              <a:r>
+                <a:rPr lang="en-US" sz="1000" dirty="0" smtClean="0"/>
+                <a:t>(</a:t>
+              </a:r>
+              <a:r>
+                <a:rPr lang="en-US" sz="1000" dirty="0" err="1" smtClean="0"/>
+                <a:t>MongoDB</a:t>
+              </a:r>
+              <a:r>
+                <a:rPr lang="en-US" sz="1000" dirty="0" smtClean="0"/>
+                <a:t>)</a:t>
+              </a:r>
+              <a:endParaRPr lang="en-US" sz="1000" dirty="0"/>
+            </a:p>
+          </p:txBody>
+        </p:sp>
+        <p:sp>
+          <p:nvSpPr>
+            <p:cNvPr id="7" name="Rectangle 6"/>
+            <p:cNvSpPr/>
+            <p:nvPr/>
+          </p:nvSpPr>
+          <p:spPr>
+            <a:xfrm>
+              <a:off x="2902181" y="3910239"/>
+              <a:ext cx="1038659" cy="914401"/>
             </a:xfrm>
             <a:prstGeom prst="rect">
               <a:avLst/>
@@ -3021,7 +3362,134 @@
               <a:pPr algn="ctr"/>
               <a:r>
                 <a:rPr lang="en-US" sz="1000" dirty="0" smtClean="0"/>
-                <a:t>Proxy Server (NGINX)</a:t>
+                <a:t>User </a:t>
+              </a:r>
+              <a:r>
+                <a:rPr lang="en-US" sz="1000" dirty="0" smtClean="0"/>
+                <a:t>API</a:t>
+              </a:r>
+              <a:endParaRPr lang="en-US" sz="1000" dirty="0" smtClean="0"/>
+            </a:p>
+            <a:p>
+              <a:pPr algn="ctr"/>
+              <a:r>
+                <a:rPr lang="en-US" sz="1000" dirty="0" smtClean="0"/>
+                <a:t> (</a:t>
+              </a:r>
+              <a:r>
+                <a:rPr lang="en-US" sz="1000" dirty="0" err="1" smtClean="0"/>
+                <a:t>Node.js</a:t>
+              </a:r>
+              <a:r>
+                <a:rPr lang="en-US" sz="1000" dirty="0" smtClean="0"/>
+                <a:t>)</a:t>
+              </a:r>
+              <a:endParaRPr lang="en-US" sz="1000" dirty="0"/>
+            </a:p>
+          </p:txBody>
+        </p:sp>
+        <p:cxnSp>
+          <p:nvCxnSpPr>
+            <p:cNvPr id="30" name="Straight Connector 29"/>
+            <p:cNvCxnSpPr>
+              <a:stCxn id="7" idx="2"/>
+              <a:endCxn id="4" idx="1"/>
+            </p:cNvCxnSpPr>
+            <p:nvPr/>
+          </p:nvCxnSpPr>
+          <p:spPr>
+            <a:xfrm>
+              <a:off x="3421510" y="4824640"/>
+              <a:ext cx="6049" cy="542775"/>
+            </a:xfrm>
+            <a:prstGeom prst="line">
+              <a:avLst/>
+            </a:prstGeom>
+          </p:spPr>
+          <p:style>
+            <a:lnRef idx="1">
+              <a:schemeClr val="accent1"/>
+            </a:lnRef>
+            <a:fillRef idx="0">
+              <a:schemeClr val="accent1"/>
+            </a:fillRef>
+            <a:effectRef idx="0">
+              <a:schemeClr val="accent1"/>
+            </a:effectRef>
+            <a:fontRef idx="minor">
+              <a:schemeClr val="tx1"/>
+            </a:fontRef>
+          </p:style>
+        </p:cxnSp>
+      </p:grpSp>
+      <p:grpSp>
+        <p:nvGrpSpPr>
+          <p:cNvPr id="79" name="Group 78"/>
+          <p:cNvGrpSpPr/>
+          <p:nvPr/>
+        </p:nvGrpSpPr>
+        <p:grpSpPr>
+          <a:xfrm>
+            <a:off x="2250837" y="2386373"/>
+            <a:ext cx="1307685" cy="1922278"/>
+            <a:chOff x="4918341" y="3549614"/>
+            <a:chExt cx="1329536" cy="2931459"/>
+          </a:xfrm>
+        </p:grpSpPr>
+        <p:sp>
+          <p:nvSpPr>
+            <p:cNvPr id="5" name="Can 4"/>
+            <p:cNvSpPr/>
+            <p:nvPr/>
+          </p:nvSpPr>
+          <p:spPr>
+            <a:xfrm>
+              <a:off x="5157590" y="5305896"/>
+              <a:ext cx="861466" cy="926218"/>
+            </a:xfrm>
+            <a:prstGeom prst="can">
+              <a:avLst/>
+            </a:prstGeom>
+          </p:spPr>
+          <p:style>
+            <a:lnRef idx="2">
+              <a:schemeClr val="accent1">
+                <a:shade val="50000"/>
+              </a:schemeClr>
+            </a:lnRef>
+            <a:fillRef idx="1">
+              <a:schemeClr val="accent1"/>
+            </a:fillRef>
+            <a:effectRef idx="0">
+              <a:schemeClr val="accent1"/>
+            </a:effectRef>
+            <a:fontRef idx="minor">
+              <a:schemeClr val="lt1"/>
+            </a:fontRef>
+          </p:style>
+          <p:txBody>
+            <a:bodyPr rtlCol="0" anchor="ctr"/>
+            <a:lstStyle/>
+            <a:p>
+              <a:pPr algn="ctr"/>
+              <a:r>
+                <a:rPr lang="en-US" sz="1000" dirty="0" smtClean="0"/>
+                <a:t>Accounts</a:t>
+              </a:r>
+            </a:p>
+            <a:p>
+              <a:pPr algn="ctr"/>
+              <a:r>
+                <a:rPr lang="en-US" sz="1000" dirty="0" smtClean="0"/>
+                <a:t>(</a:t>
+              </a:r>
+              <a:r>
+                <a:rPr lang="en-US" sz="1000" dirty="0" err="1" smtClean="0"/>
+                <a:t>MongoDB</a:t>
+              </a:r>
+              <a:r>
+                <a:rPr lang="en-US" sz="1000" dirty="0" smtClean="0"/>
+                <a:t>)</a:t>
               </a:r>
               <a:endParaRPr lang="en-US" sz="1000" dirty="0"/>
             </a:p>
@@ -3029,14 +3497,14 @@
         </p:sp>
         <p:sp>
           <p:nvSpPr>
-            <p:cNvPr id="12" name="Rectangle 11"/>
+            <p:cNvPr id="8" name="Rectangle 7"/>
             <p:cNvSpPr/>
             <p:nvPr/>
           </p:nvSpPr>
           <p:spPr>
             <a:xfrm>
-              <a:off x="4504216" y="545004"/>
-              <a:ext cx="1792745" cy="777076"/>
+              <a:off x="5042850" y="3936460"/>
+              <a:ext cx="1085579" cy="809678"/>
             </a:xfrm>
             <a:prstGeom prst="rect">
               <a:avLst/>
@@ -3065,21 +3533,31 @@
               <a:pPr algn="ctr"/>
               <a:r>
                 <a:rPr lang="en-US" sz="1000" dirty="0" smtClean="0"/>
-                <a:t>Portfolio Tracker </a:t>
+                <a:t>Account</a:t>
               </a:r>
+              <a:r>
+                <a:rPr lang="en-US" sz="1000" dirty="0"/>
+                <a:t> </a:t>
+              </a:r>
+              <a:r>
+                <a:rPr lang="en-US" sz="1000" dirty="0" smtClean="0"/>
+                <a:t>API</a:t>
+              </a:r>
+              <a:endParaRPr lang="en-US" sz="1000" dirty="0" smtClean="0"/>
             </a:p>
             <a:p>
               <a:pPr algn="ctr"/>
               <a:r>
                 <a:rPr lang="en-US" sz="1000" dirty="0" smtClean="0"/>
-                <a:t>Web App</a:t>
+                <a:t>(</a:t>
               </a:r>
-            </a:p>
-            <a:p>
-              <a:pPr algn="ctr"/>
+              <a:r>
+                <a:rPr lang="en-US" sz="1000" dirty="0" err="1" smtClean="0"/>
+                <a:t>Node.js</a:t>
+              </a:r>
               <a:r>
                 <a:rPr lang="en-US" sz="1000" dirty="0" smtClean="0"/>
-                <a:t>(Angular)</a:t>
+                <a:t>)</a:t>
               </a:r>
               <a:endParaRPr lang="en-US" sz="1000" dirty="0"/>
             </a:p>
@@ -3087,17 +3565,17 @@
         </p:sp>
         <p:cxnSp>
           <p:nvCxnSpPr>
-            <p:cNvPr id="17" name="Straight Connector 16"/>
+            <p:cNvPr id="32" name="Straight Connector 31"/>
             <p:cNvCxnSpPr>
-              <a:stCxn id="12" idx="2"/>
-              <a:endCxn id="11" idx="0"/>
+              <a:stCxn id="8" idx="2"/>
+              <a:endCxn id="5" idx="1"/>
             </p:cNvCxnSpPr>
             <p:nvPr/>
           </p:nvCxnSpPr>
           <p:spPr>
-            <a:xfrm flipH="1">
-              <a:off x="5399103" y="1322080"/>
-              <a:ext cx="1486" cy="414003"/>
+            <a:xfrm>
+              <a:off x="5585640" y="4746138"/>
+              <a:ext cx="2683" cy="559758"/>
             </a:xfrm>
             <a:prstGeom prst="line">
               <a:avLst/>
@@ -3118,21 +3596,148 @@
             </a:fontRef>
           </p:style>
         </p:cxnSp>
+        <p:sp>
+          <p:nvSpPr>
+            <p:cNvPr id="52" name="Rounded Rectangle 51"/>
+            <p:cNvSpPr/>
+            <p:nvPr/>
+          </p:nvSpPr>
+          <p:spPr>
+            <a:xfrm>
+              <a:off x="4918341" y="3549614"/>
+              <a:ext cx="1329536" cy="2931459"/>
+            </a:xfrm>
+            <a:prstGeom prst="roundRect">
+              <a:avLst/>
+            </a:prstGeom>
+            <a:noFill/>
+            <a:ln>
+              <a:solidFill>
+                <a:schemeClr val="accent1">
+                  <a:shade val="50000"/>
+                </a:schemeClr>
+              </a:solidFill>
+            </a:ln>
+          </p:spPr>
+          <p:style>
+            <a:lnRef idx="2">
+              <a:schemeClr val="accent1">
+                <a:shade val="50000"/>
+              </a:schemeClr>
+            </a:lnRef>
+            <a:fillRef idx="1">
+              <a:schemeClr val="accent1"/>
+            </a:fillRef>
+            <a:effectRef idx="0">
+              <a:schemeClr val="accent1"/>
+            </a:effectRef>
+            <a:fontRef idx="minor">
+              <a:schemeClr val="lt1"/>
+            </a:fontRef>
+          </p:style>
+          <p:txBody>
+            <a:bodyPr rtlCol="0" anchor="ctr"/>
+            <a:lstStyle/>
+            <a:p>
+              <a:pPr algn="ctr"/>
+              <a:endParaRPr lang="en-US" sz="1000"/>
+            </a:p>
+          </p:txBody>
+        </p:sp>
+      </p:grpSp>
+      <p:grpSp>
+        <p:nvGrpSpPr>
+          <p:cNvPr id="99" name="Group 98"/>
+          <p:cNvGrpSpPr/>
+          <p:nvPr/>
+        </p:nvGrpSpPr>
+        <p:grpSpPr>
+          <a:xfrm>
+            <a:off x="3862052" y="2393372"/>
+            <a:ext cx="1408889" cy="1922278"/>
+            <a:chOff x="7313392" y="3549614"/>
+            <a:chExt cx="1432432" cy="2931459"/>
+          </a:xfrm>
+        </p:grpSpPr>
+        <p:sp>
+          <p:nvSpPr>
+            <p:cNvPr id="9" name="Rectangle 8"/>
+            <p:cNvSpPr/>
+            <p:nvPr/>
+          </p:nvSpPr>
+          <p:spPr>
+            <a:xfrm>
+              <a:off x="7450405" y="4004368"/>
+              <a:ext cx="1158701" cy="809676"/>
+            </a:xfrm>
+            <a:prstGeom prst="rect">
+              <a:avLst/>
+            </a:prstGeom>
+          </p:spPr>
+          <p:style>
+            <a:lnRef idx="2">
+              <a:schemeClr val="accent1">
+                <a:shade val="50000"/>
+              </a:schemeClr>
+            </a:lnRef>
+            <a:fillRef idx="1">
+              <a:schemeClr val="accent1"/>
+            </a:fillRef>
+            <a:effectRef idx="0">
+              <a:schemeClr val="accent1"/>
+            </a:effectRef>
+            <a:fontRef idx="minor">
+              <a:schemeClr val="lt1"/>
+            </a:fontRef>
+          </p:style>
+          <p:txBody>
+            <a:bodyPr rtlCol="0" anchor="ctr"/>
+            <a:lstStyle/>
+            <a:p>
+              <a:pPr algn="ctr"/>
+              <a:r>
+                <a:rPr lang="en-US" sz="1000" dirty="0" smtClean="0"/>
+                <a:t>Financial  Data </a:t>
+              </a:r>
+              <a:r>
+                <a:rPr lang="en-US" sz="1000" dirty="0" smtClean="0"/>
+                <a:t>API</a:t>
+              </a:r>
+              <a:endParaRPr lang="en-US" sz="1000" dirty="0" smtClean="0"/>
+            </a:p>
+            <a:p>
+              <a:pPr algn="ctr"/>
+              <a:r>
+                <a:rPr lang="en-US" sz="1000" dirty="0" smtClean="0"/>
+                <a:t>(</a:t>
+              </a:r>
+              <a:r>
+                <a:rPr lang="en-US" sz="1000" dirty="0" err="1" smtClean="0"/>
+                <a:t>Node.js</a:t>
+              </a:r>
+              <a:r>
+                <a:rPr lang="en-US" sz="1000" dirty="0" smtClean="0"/>
+                <a:t>)</a:t>
+              </a:r>
+              <a:endParaRPr lang="en-US" sz="1000" dirty="0"/>
+            </a:p>
+          </p:txBody>
+        </p:sp>
         <p:cxnSp>
           <p:nvCxnSpPr>
-            <p:cNvPr id="21" name="Elbow Connector 20"/>
+            <p:cNvPr id="34" name="Straight Connector 33"/>
             <p:cNvCxnSpPr>
-              <a:stCxn id="11" idx="2"/>
-              <a:endCxn id="60" idx="0"/>
+              <a:stCxn id="9" idx="2"/>
+              <a:endCxn id="97" idx="0"/>
             </p:cNvCxnSpPr>
             <p:nvPr/>
           </p:nvCxnSpPr>
           <p:spPr>
-            <a:xfrm rot="16200000" flipH="1">
-              <a:off x="6112399" y="1528070"/>
-              <a:ext cx="1308248" cy="2734840"/>
+            <a:xfrm>
+              <a:off x="8029756" y="4814045"/>
+              <a:ext cx="6836" cy="599212"/>
             </a:xfrm>
-            <a:prstGeom prst="bentConnector3">
+            <a:prstGeom prst="line">
               <a:avLst/>
             </a:prstGeom>
           </p:spPr>
@@ -3151,722 +3756,105 @@
             </a:fontRef>
           </p:style>
         </p:cxnSp>
-        <p:cxnSp>
-          <p:nvCxnSpPr>
-            <p:cNvPr id="25" name="Elbow Connector 24"/>
-            <p:cNvCxnSpPr>
-              <a:stCxn id="11" idx="2"/>
-              <a:endCxn id="35" idx="0"/>
-            </p:cNvCxnSpPr>
+        <p:sp>
+          <p:nvSpPr>
+            <p:cNvPr id="60" name="Rounded Rectangle 59"/>
+            <p:cNvSpPr/>
             <p:nvPr/>
-          </p:nvCxnSpPr>
+          </p:nvSpPr>
           <p:spPr>
-            <a:xfrm rot="5400000">
-              <a:off x="3442681" y="1593192"/>
-              <a:ext cx="1308248" cy="2604597"/>
+            <a:xfrm>
+              <a:off x="7313392" y="3549614"/>
+              <a:ext cx="1432432" cy="2931459"/>
             </a:xfrm>
-            <a:prstGeom prst="bentConnector3">
-              <a:avLst>
-                <a:gd name="adj1" fmla="val 50000"/>
-              </a:avLst>
+            <a:prstGeom prst="roundRect">
+              <a:avLst/>
             </a:prstGeom>
+            <a:noFill/>
+            <a:ln>
+              <a:solidFill>
+                <a:schemeClr val="accent1">
+                  <a:shade val="50000"/>
+                </a:schemeClr>
+              </a:solidFill>
+            </a:ln>
           </p:spPr>
           <p:style>
-            <a:lnRef idx="1">
-              <a:schemeClr val="accent1"/>
+            <a:lnRef idx="2">
+              <a:schemeClr val="accent1">
+                <a:shade val="50000"/>
+              </a:schemeClr>
             </a:lnRef>
-            <a:fillRef idx="0">
+            <a:fillRef idx="1">
               <a:schemeClr val="accent1"/>
             </a:fillRef>
             <a:effectRef idx="0">
               <a:schemeClr val="accent1"/>
             </a:effectRef>
             <a:fontRef idx="minor">
-              <a:schemeClr val="tx1"/>
+              <a:schemeClr val="lt1"/>
             </a:fontRef>
           </p:style>
-        </p:cxnSp>
-        <p:cxnSp>
-          <p:nvCxnSpPr>
-            <p:cNvPr id="28" name="Elbow Connector 27"/>
-            <p:cNvCxnSpPr>
-              <a:stCxn id="11" idx="2"/>
-              <a:endCxn id="52" idx="0"/>
-            </p:cNvCxnSpPr>
+          <p:txBody>
+            <a:bodyPr rtlCol="0" anchor="ctr"/>
+            <a:lstStyle/>
+            <a:p>
+              <a:pPr algn="ctr"/>
+              <a:endParaRPr lang="en-US" sz="1000"/>
+            </a:p>
+          </p:txBody>
+        </p:sp>
+        <p:sp>
+          <p:nvSpPr>
+            <p:cNvPr id="97" name="Rounded Rectangle 96"/>
+            <p:cNvSpPr/>
             <p:nvPr/>
-          </p:nvCxnSpPr>
+          </p:nvSpPr>
           <p:spPr>
-            <a:xfrm rot="5400000">
-              <a:off x="4750473" y="2887126"/>
-              <a:ext cx="1294391" cy="2870"/>
+            <a:xfrm>
+              <a:off x="7518764" y="5413257"/>
+              <a:ext cx="1035656" cy="812732"/>
             </a:xfrm>
-            <a:prstGeom prst="bentConnector3">
+            <a:prstGeom prst="roundRect">
               <a:avLst/>
             </a:prstGeom>
           </p:spPr>
           <p:style>
-            <a:lnRef idx="1">
-              <a:schemeClr val="accent1"/>
+            <a:lnRef idx="2">
+              <a:schemeClr val="accent1">
+                <a:shade val="50000"/>
+              </a:schemeClr>
             </a:lnRef>
-            <a:fillRef idx="0">
+            <a:fillRef idx="1">
               <a:schemeClr val="accent1"/>
             </a:fillRef>
             <a:effectRef idx="0">
               <a:schemeClr val="accent1"/>
             </a:effectRef>
             <a:fontRef idx="minor">
-              <a:schemeClr val="tx1"/>
+              <a:schemeClr val="lt1"/>
             </a:fontRef>
           </p:style>
-        </p:cxnSp>
-        <p:grpSp>
-          <p:nvGrpSpPr>
-            <p:cNvPr id="78" name="Group 77"/>
-            <p:cNvGrpSpPr/>
-            <p:nvPr/>
-          </p:nvGrpSpPr>
-          <p:grpSpPr>
-            <a:xfrm>
-              <a:off x="1881847" y="3549614"/>
-              <a:ext cx="1825318" cy="2931459"/>
-              <a:chOff x="2709627" y="3549615"/>
-              <a:chExt cx="1825318" cy="2931459"/>
-            </a:xfrm>
-          </p:grpSpPr>
-          <p:sp>
-            <p:nvSpPr>
-              <p:cNvPr id="35" name="Rounded Rectangle 34"/>
-              <p:cNvSpPr/>
-              <p:nvPr/>
-            </p:nvSpPr>
-            <p:spPr>
-              <a:xfrm>
-                <a:off x="2709627" y="3549615"/>
-                <a:ext cx="1825318" cy="2931459"/>
-              </a:xfrm>
-              <a:prstGeom prst="roundRect">
-                <a:avLst/>
-              </a:prstGeom>
-              <a:noFill/>
-              <a:ln>
-                <a:solidFill>
-                  <a:schemeClr val="accent1">
-                    <a:shade val="50000"/>
-                  </a:schemeClr>
-                </a:solidFill>
-              </a:ln>
-            </p:spPr>
-            <p:style>
-              <a:lnRef idx="2">
-                <a:schemeClr val="accent1">
-                  <a:shade val="50000"/>
-                </a:schemeClr>
-              </a:lnRef>
-              <a:fillRef idx="1">
-                <a:schemeClr val="accent1"/>
-              </a:fillRef>
-              <a:effectRef idx="0">
-                <a:schemeClr val="accent1"/>
-              </a:effectRef>
-              <a:fontRef idx="minor">
-                <a:schemeClr val="lt1"/>
-              </a:fontRef>
-            </p:style>
-            <p:txBody>
-              <a:bodyPr rtlCol="0" anchor="ctr"/>
-              <a:lstStyle/>
-              <a:p>
-                <a:pPr algn="ctr"/>
-                <a:endParaRPr lang="en-US" sz="1000"/>
-              </a:p>
-            </p:txBody>
-          </p:sp>
-          <p:sp>
-            <p:nvSpPr>
-              <p:cNvPr id="4" name="Can 3"/>
-              <p:cNvSpPr/>
-              <p:nvPr/>
-            </p:nvSpPr>
-            <p:spPr>
-              <a:xfrm>
-                <a:off x="2996310" y="5367415"/>
-                <a:ext cx="1243172" cy="912362"/>
-              </a:xfrm>
-              <a:prstGeom prst="can">
-                <a:avLst/>
-              </a:prstGeom>
-            </p:spPr>
-            <p:style>
-              <a:lnRef idx="2">
-                <a:schemeClr val="accent1">
-                  <a:shade val="50000"/>
-                </a:schemeClr>
-              </a:lnRef>
-              <a:fillRef idx="1">
-                <a:schemeClr val="accent1"/>
-              </a:fillRef>
-              <a:effectRef idx="0">
-                <a:schemeClr val="accent1"/>
-              </a:effectRef>
-              <a:fontRef idx="minor">
-                <a:schemeClr val="lt1"/>
-              </a:fontRef>
-            </p:style>
-            <p:txBody>
-              <a:bodyPr rtlCol="0" anchor="ctr"/>
-              <a:lstStyle/>
-              <a:p>
-                <a:pPr algn="ctr"/>
-                <a:r>
-                  <a:rPr lang="en-US" sz="1000" dirty="0" smtClean="0"/>
-                  <a:t>Users</a:t>
-                </a:r>
-              </a:p>
-              <a:p>
-                <a:pPr algn="ctr"/>
-                <a:r>
-                  <a:rPr lang="en-US" sz="1000" dirty="0" smtClean="0"/>
-                  <a:t>(</a:t>
-                </a:r>
-                <a:r>
-                  <a:rPr lang="en-US" sz="1000" dirty="0" err="1" smtClean="0"/>
-                  <a:t>MongoDB</a:t>
-                </a:r>
-                <a:r>
-                  <a:rPr lang="en-US" sz="1000" dirty="0" smtClean="0"/>
-                  <a:t>)</a:t>
-                </a:r>
-                <a:endParaRPr lang="en-US" sz="1000" dirty="0"/>
-              </a:p>
-            </p:txBody>
-          </p:sp>
-          <p:sp>
-            <p:nvSpPr>
-              <p:cNvPr id="7" name="Rectangle 6"/>
-              <p:cNvSpPr/>
-              <p:nvPr/>
-            </p:nvSpPr>
-            <p:spPr>
-              <a:xfrm>
-                <a:off x="2902181" y="3910239"/>
-                <a:ext cx="1439574" cy="914400"/>
-              </a:xfrm>
-              <a:prstGeom prst="rect">
-                <a:avLst/>
-              </a:prstGeom>
-            </p:spPr>
-            <p:style>
-              <a:lnRef idx="2">
-                <a:schemeClr val="accent1">
-                  <a:shade val="50000"/>
-                </a:schemeClr>
-              </a:lnRef>
-              <a:fillRef idx="1">
-                <a:schemeClr val="accent1"/>
-              </a:fillRef>
-              <a:effectRef idx="0">
-                <a:schemeClr val="accent1"/>
-              </a:effectRef>
-              <a:fontRef idx="minor">
-                <a:schemeClr val="lt1"/>
-              </a:fontRef>
-            </p:style>
-            <p:txBody>
-              <a:bodyPr rtlCol="0" anchor="ctr"/>
-              <a:lstStyle/>
-              <a:p>
-                <a:pPr algn="ctr"/>
-                <a:r>
-                  <a:rPr lang="en-US" sz="1000" dirty="0" smtClean="0"/>
-                  <a:t>User Management API</a:t>
-                </a:r>
-              </a:p>
-              <a:p>
-                <a:pPr algn="ctr"/>
-                <a:r>
-                  <a:rPr lang="en-US" sz="1000" dirty="0" smtClean="0"/>
-                  <a:t> (</a:t>
-                </a:r>
-                <a:r>
-                  <a:rPr lang="en-US" sz="1000" dirty="0" err="1" smtClean="0"/>
-                  <a:t>Node.js</a:t>
-                </a:r>
-                <a:r>
-                  <a:rPr lang="en-US" sz="1000" dirty="0" smtClean="0"/>
-                  <a:t>)</a:t>
-                </a:r>
-                <a:endParaRPr lang="en-US" sz="1000" dirty="0"/>
-              </a:p>
-            </p:txBody>
-          </p:sp>
-          <p:cxnSp>
-            <p:nvCxnSpPr>
-              <p:cNvPr id="30" name="Straight Connector 29"/>
-              <p:cNvCxnSpPr>
-                <a:stCxn id="7" idx="2"/>
-                <a:endCxn id="4" idx="1"/>
-              </p:cNvCxnSpPr>
-              <p:nvPr/>
-            </p:nvCxnSpPr>
-            <p:spPr>
-              <a:xfrm flipH="1">
-                <a:off x="3617896" y="4824639"/>
-                <a:ext cx="4072" cy="542776"/>
-              </a:xfrm>
-              <a:prstGeom prst="line">
-                <a:avLst/>
-              </a:prstGeom>
-            </p:spPr>
-            <p:style>
-              <a:lnRef idx="1">
-                <a:schemeClr val="accent1"/>
-              </a:lnRef>
-              <a:fillRef idx="0">
-                <a:schemeClr val="accent1"/>
-              </a:fillRef>
-              <a:effectRef idx="0">
-                <a:schemeClr val="accent1"/>
-              </a:effectRef>
-              <a:fontRef idx="minor">
-                <a:schemeClr val="tx1"/>
-              </a:fontRef>
-            </p:style>
-          </p:cxnSp>
-        </p:grpSp>
-        <p:grpSp>
-          <p:nvGrpSpPr>
-            <p:cNvPr id="79" name="Group 78"/>
-            <p:cNvGrpSpPr/>
-            <p:nvPr/>
-          </p:nvGrpSpPr>
-          <p:grpSpPr>
-            <a:xfrm>
-              <a:off x="4387770" y="3535757"/>
-              <a:ext cx="2016926" cy="2931459"/>
-              <a:chOff x="4764490" y="3549614"/>
-              <a:chExt cx="2016926" cy="2931459"/>
-            </a:xfrm>
-          </p:grpSpPr>
-          <p:sp>
-            <p:nvSpPr>
-              <p:cNvPr id="5" name="Can 4"/>
-              <p:cNvSpPr/>
-              <p:nvPr/>
-            </p:nvSpPr>
-            <p:spPr>
-              <a:xfrm>
-                <a:off x="5266963" y="5367415"/>
-                <a:ext cx="1120390" cy="926218"/>
-              </a:xfrm>
-              <a:prstGeom prst="can">
-                <a:avLst/>
-              </a:prstGeom>
-            </p:spPr>
-            <p:style>
-              <a:lnRef idx="2">
-                <a:schemeClr val="accent1">
-                  <a:shade val="50000"/>
-                </a:schemeClr>
-              </a:lnRef>
-              <a:fillRef idx="1">
-                <a:schemeClr val="accent1"/>
-              </a:fillRef>
-              <a:effectRef idx="0">
-                <a:schemeClr val="accent1"/>
-              </a:effectRef>
-              <a:fontRef idx="minor">
-                <a:schemeClr val="lt1"/>
-              </a:fontRef>
-            </p:style>
-            <p:txBody>
-              <a:bodyPr rtlCol="0" anchor="ctr"/>
-              <a:lstStyle/>
-              <a:p>
-                <a:pPr algn="ctr"/>
-                <a:r>
-                  <a:rPr lang="en-US" sz="1000" dirty="0" smtClean="0"/>
-                  <a:t>Accounts</a:t>
-                </a:r>
-              </a:p>
-              <a:p>
-                <a:pPr algn="ctr"/>
-                <a:r>
-                  <a:rPr lang="en-US" sz="1000" dirty="0" smtClean="0"/>
-                  <a:t>(</a:t>
-                </a:r>
-                <a:r>
-                  <a:rPr lang="en-US" sz="1000" dirty="0" err="1" smtClean="0"/>
-                  <a:t>MongoDB</a:t>
-                </a:r>
-                <a:r>
-                  <a:rPr lang="en-US" sz="1000" dirty="0" smtClean="0"/>
-                  <a:t>)</a:t>
-                </a:r>
-                <a:endParaRPr lang="en-US" sz="1000" dirty="0"/>
-              </a:p>
-            </p:txBody>
-          </p:sp>
-          <p:sp>
-            <p:nvSpPr>
-              <p:cNvPr id="8" name="Rectangle 7"/>
-              <p:cNvSpPr/>
-              <p:nvPr/>
-            </p:nvSpPr>
-            <p:spPr>
-              <a:xfrm>
-                <a:off x="5042850" y="3977474"/>
-                <a:ext cx="1559859" cy="809678"/>
-              </a:xfrm>
-              <a:prstGeom prst="rect">
-                <a:avLst/>
-              </a:prstGeom>
-            </p:spPr>
-            <p:style>
-              <a:lnRef idx="2">
-                <a:schemeClr val="accent1">
-                  <a:shade val="50000"/>
-                </a:schemeClr>
-              </a:lnRef>
-              <a:fillRef idx="1">
-                <a:schemeClr val="accent1"/>
-              </a:fillRef>
-              <a:effectRef idx="0">
-                <a:schemeClr val="accent1"/>
-              </a:effectRef>
-              <a:fontRef idx="minor">
-                <a:schemeClr val="lt1"/>
-              </a:fontRef>
-            </p:style>
-            <p:txBody>
-              <a:bodyPr rtlCol="0" anchor="ctr"/>
-              <a:lstStyle/>
-              <a:p>
-                <a:pPr algn="ctr"/>
-                <a:r>
-                  <a:rPr lang="en-US" sz="1000" dirty="0" smtClean="0"/>
-                  <a:t>Account Management </a:t>
-                </a:r>
-              </a:p>
-              <a:p>
-                <a:pPr algn="ctr"/>
-                <a:r>
-                  <a:rPr lang="en-US" sz="1000" dirty="0" smtClean="0"/>
-                  <a:t>API</a:t>
-                </a:r>
-              </a:p>
-              <a:p>
-                <a:pPr algn="ctr"/>
-                <a:r>
-                  <a:rPr lang="en-US" sz="1000" dirty="0" smtClean="0"/>
-                  <a:t>(</a:t>
-                </a:r>
-                <a:r>
-                  <a:rPr lang="en-US" sz="1000" dirty="0" err="1" smtClean="0"/>
-                  <a:t>Node.js</a:t>
-                </a:r>
-                <a:r>
-                  <a:rPr lang="en-US" sz="1000" dirty="0" smtClean="0"/>
-                  <a:t>)</a:t>
-                </a:r>
-                <a:endParaRPr lang="en-US" sz="1000" dirty="0"/>
-              </a:p>
-            </p:txBody>
-          </p:sp>
-          <p:cxnSp>
-            <p:nvCxnSpPr>
-              <p:cNvPr id="32" name="Straight Connector 31"/>
-              <p:cNvCxnSpPr>
-                <a:stCxn id="8" idx="2"/>
-                <a:endCxn id="5" idx="1"/>
-              </p:cNvCxnSpPr>
-              <p:nvPr/>
-            </p:nvCxnSpPr>
-            <p:spPr>
-              <a:xfrm>
-                <a:off x="5822780" y="4787152"/>
-                <a:ext cx="4378" cy="580263"/>
-              </a:xfrm>
-              <a:prstGeom prst="line">
-                <a:avLst/>
-              </a:prstGeom>
-            </p:spPr>
-            <p:style>
-              <a:lnRef idx="1">
-                <a:schemeClr val="accent1"/>
-              </a:lnRef>
-              <a:fillRef idx="0">
-                <a:schemeClr val="accent1"/>
-              </a:fillRef>
-              <a:effectRef idx="0">
-                <a:schemeClr val="accent1"/>
-              </a:effectRef>
-              <a:fontRef idx="minor">
-                <a:schemeClr val="tx1"/>
-              </a:fontRef>
-            </p:style>
-          </p:cxnSp>
-          <p:sp>
-            <p:nvSpPr>
-              <p:cNvPr id="52" name="Rounded Rectangle 51"/>
-              <p:cNvSpPr/>
-              <p:nvPr/>
-            </p:nvSpPr>
-            <p:spPr>
-              <a:xfrm>
-                <a:off x="4764490" y="3549614"/>
-                <a:ext cx="2016926" cy="2931459"/>
-              </a:xfrm>
-              <a:prstGeom prst="roundRect">
-                <a:avLst/>
-              </a:prstGeom>
-              <a:noFill/>
-              <a:ln>
-                <a:solidFill>
-                  <a:schemeClr val="accent1">
-                    <a:shade val="50000"/>
-                  </a:schemeClr>
-                </a:solidFill>
-              </a:ln>
-            </p:spPr>
-            <p:style>
-              <a:lnRef idx="2">
-                <a:schemeClr val="accent1">
-                  <a:shade val="50000"/>
-                </a:schemeClr>
-              </a:lnRef>
-              <a:fillRef idx="1">
-                <a:schemeClr val="accent1"/>
-              </a:fillRef>
-              <a:effectRef idx="0">
-                <a:schemeClr val="accent1"/>
-              </a:effectRef>
-              <a:fontRef idx="minor">
-                <a:schemeClr val="lt1"/>
-              </a:fontRef>
-            </p:style>
-            <p:txBody>
-              <a:bodyPr rtlCol="0" anchor="ctr"/>
-              <a:lstStyle/>
-              <a:p>
-                <a:pPr algn="ctr"/>
-                <a:endParaRPr lang="en-US" sz="1000"/>
-              </a:p>
-            </p:txBody>
-          </p:sp>
-        </p:grpSp>
-        <p:grpSp>
-          <p:nvGrpSpPr>
-            <p:cNvPr id="99" name="Group 98"/>
-            <p:cNvGrpSpPr/>
-            <p:nvPr/>
-          </p:nvGrpSpPr>
-          <p:grpSpPr>
-            <a:xfrm>
-              <a:off x="7221284" y="3549614"/>
-              <a:ext cx="1825318" cy="2931459"/>
-              <a:chOff x="7221284" y="3549614"/>
-              <a:chExt cx="1825318" cy="2931459"/>
-            </a:xfrm>
-          </p:grpSpPr>
-          <p:sp>
-            <p:nvSpPr>
-              <p:cNvPr id="9" name="Rectangle 8"/>
-              <p:cNvSpPr/>
-              <p:nvPr/>
-            </p:nvSpPr>
-            <p:spPr>
-              <a:xfrm>
-                <a:off x="7450405" y="4004368"/>
-                <a:ext cx="1249843" cy="809677"/>
-              </a:xfrm>
-              <a:prstGeom prst="rect">
-                <a:avLst/>
-              </a:prstGeom>
-            </p:spPr>
-            <p:style>
-              <a:lnRef idx="2">
-                <a:schemeClr val="accent1">
-                  <a:shade val="50000"/>
-                </a:schemeClr>
-              </a:lnRef>
-              <a:fillRef idx="1">
-                <a:schemeClr val="accent1"/>
-              </a:fillRef>
-              <a:effectRef idx="0">
-                <a:schemeClr val="accent1"/>
-              </a:effectRef>
-              <a:fontRef idx="minor">
-                <a:schemeClr val="lt1"/>
-              </a:fontRef>
-            </p:style>
-            <p:txBody>
-              <a:bodyPr rtlCol="0" anchor="ctr"/>
-              <a:lstStyle/>
-              <a:p>
-                <a:pPr algn="ctr"/>
-                <a:r>
-                  <a:rPr lang="en-US" sz="1000" dirty="0" smtClean="0"/>
-                  <a:t>Financial  Data </a:t>
-                </a:r>
-              </a:p>
-              <a:p>
-                <a:pPr algn="ctr"/>
-                <a:r>
-                  <a:rPr lang="en-US" sz="1000" dirty="0" smtClean="0"/>
-                  <a:t>API</a:t>
-                </a:r>
-              </a:p>
-              <a:p>
-                <a:pPr algn="ctr"/>
-                <a:r>
-                  <a:rPr lang="en-US" sz="1000" dirty="0" smtClean="0"/>
-                  <a:t>(</a:t>
-                </a:r>
-                <a:r>
-                  <a:rPr lang="en-US" sz="1000" dirty="0" err="1" smtClean="0"/>
-                  <a:t>Node.js</a:t>
-                </a:r>
-                <a:r>
-                  <a:rPr lang="en-US" sz="1000" dirty="0" smtClean="0"/>
-                  <a:t>)</a:t>
-                </a:r>
-                <a:endParaRPr lang="en-US" sz="1000" dirty="0"/>
-              </a:p>
-            </p:txBody>
-          </p:sp>
-          <p:cxnSp>
-            <p:nvCxnSpPr>
-              <p:cNvPr id="34" name="Straight Connector 33"/>
-              <p:cNvCxnSpPr>
-                <a:stCxn id="9" idx="2"/>
-                <a:endCxn id="97" idx="0"/>
-              </p:cNvCxnSpPr>
-              <p:nvPr/>
-            </p:nvCxnSpPr>
-            <p:spPr>
-              <a:xfrm>
-                <a:off x="8075327" y="4814045"/>
-                <a:ext cx="0" cy="599211"/>
-              </a:xfrm>
-              <a:prstGeom prst="line">
-                <a:avLst/>
-              </a:prstGeom>
-            </p:spPr>
-            <p:style>
-              <a:lnRef idx="1">
-                <a:schemeClr val="accent1"/>
-              </a:lnRef>
-              <a:fillRef idx="0">
-                <a:schemeClr val="accent1"/>
-              </a:fillRef>
-              <a:effectRef idx="0">
-                <a:schemeClr val="accent1"/>
-              </a:effectRef>
-              <a:fontRef idx="minor">
-                <a:schemeClr val="tx1"/>
-              </a:fontRef>
-            </p:style>
-          </p:cxnSp>
-          <p:sp>
-            <p:nvSpPr>
-              <p:cNvPr id="60" name="Rounded Rectangle 59"/>
-              <p:cNvSpPr/>
-              <p:nvPr/>
-            </p:nvSpPr>
-            <p:spPr>
-              <a:xfrm>
-                <a:off x="7221284" y="3549614"/>
-                <a:ext cx="1825318" cy="2931459"/>
-              </a:xfrm>
-              <a:prstGeom prst="roundRect">
-                <a:avLst/>
-              </a:prstGeom>
-              <a:noFill/>
-              <a:ln>
-                <a:solidFill>
-                  <a:schemeClr val="accent1">
-                    <a:shade val="50000"/>
-                  </a:schemeClr>
-                </a:solidFill>
-              </a:ln>
-            </p:spPr>
-            <p:style>
-              <a:lnRef idx="2">
-                <a:schemeClr val="accent1">
-                  <a:shade val="50000"/>
-                </a:schemeClr>
-              </a:lnRef>
-              <a:fillRef idx="1">
-                <a:schemeClr val="accent1"/>
-              </a:fillRef>
-              <a:effectRef idx="0">
-                <a:schemeClr val="accent1"/>
-              </a:effectRef>
-              <a:fontRef idx="minor">
-                <a:schemeClr val="lt1"/>
-              </a:fontRef>
-            </p:style>
-            <p:txBody>
-              <a:bodyPr rtlCol="0" anchor="ctr"/>
-              <a:lstStyle/>
-              <a:p>
-                <a:pPr algn="ctr"/>
-                <a:endParaRPr lang="en-US" sz="1000"/>
-              </a:p>
-            </p:txBody>
-          </p:sp>
-          <p:sp>
-            <p:nvSpPr>
-              <p:cNvPr id="97" name="Rounded Rectangle 96"/>
-              <p:cNvSpPr/>
-              <p:nvPr/>
-            </p:nvSpPr>
-            <p:spPr>
-              <a:xfrm>
-                <a:off x="7450405" y="5413256"/>
-                <a:ext cx="1249843" cy="812732"/>
-              </a:xfrm>
-              <a:prstGeom prst="roundRect">
-                <a:avLst/>
-              </a:prstGeom>
-            </p:spPr>
-            <p:style>
-              <a:lnRef idx="2">
-                <a:schemeClr val="accent1">
-                  <a:shade val="50000"/>
-                </a:schemeClr>
-              </a:lnRef>
-              <a:fillRef idx="1">
-                <a:schemeClr val="accent1"/>
-              </a:fillRef>
-              <a:effectRef idx="0">
-                <a:schemeClr val="accent1"/>
-              </a:effectRef>
-              <a:fontRef idx="minor">
-                <a:schemeClr val="lt1"/>
-              </a:fontRef>
-            </p:style>
-            <p:txBody>
-              <a:bodyPr rtlCol="0" anchor="ctr"/>
-              <a:lstStyle/>
-              <a:p>
-                <a:pPr algn="ctr"/>
-                <a:r>
-                  <a:rPr lang="en-US" sz="1000" dirty="0" smtClean="0"/>
-                  <a:t>Stock API</a:t>
-                </a:r>
-              </a:p>
-              <a:p>
-                <a:pPr algn="ctr"/>
-                <a:r>
-                  <a:rPr lang="en-US" sz="1000" dirty="0" smtClean="0"/>
-                  <a:t> (CSV Format)</a:t>
-                </a:r>
-                <a:endParaRPr lang="en-US" sz="1000" dirty="0"/>
-              </a:p>
-            </p:txBody>
-          </p:sp>
-        </p:grpSp>
+          <p:txBody>
+            <a:bodyPr rtlCol="0" anchor="ctr"/>
+            <a:lstStyle/>
+            <a:p>
+              <a:pPr algn="ctr"/>
+              <a:r>
+                <a:rPr lang="en-US" sz="1000" dirty="0" smtClean="0"/>
+                <a:t>Stock API</a:t>
+              </a:r>
+            </a:p>
+            <a:p>
+              <a:pPr algn="ctr"/>
+              <a:r>
+                <a:rPr lang="en-US" sz="1000" dirty="0" smtClean="0"/>
+                <a:t> (CSV Format)</a:t>
+              </a:r>
+              <a:endParaRPr lang="en-US" sz="1000" dirty="0"/>
+            </a:p>
+          </p:txBody>
+        </p:sp>
       </p:grpSp>
     </p:spTree>
     <p:extLst>

--- a/docs/PT_Architecture.pptx
+++ b/docs/PT_Architecture.pptx
@@ -3261,7 +3261,7 @@
             <a:lstStyle/>
             <a:p>
               <a:pPr algn="ctr"/>
-              <a:endParaRPr lang="en-US" sz="1000"/>
+              <a:endParaRPr lang="en-US" sz="1000" dirty="0"/>
             </a:p>
           </p:txBody>
         </p:sp>
@@ -3310,15 +3310,7 @@
               <a:pPr algn="ctr"/>
               <a:r>
                 <a:rPr lang="en-US" sz="1000" dirty="0" smtClean="0"/>
-                <a:t>(</a:t>
-              </a:r>
-              <a:r>
-                <a:rPr lang="en-US" sz="1000" dirty="0" err="1" smtClean="0"/>
-                <a:t>MongoDB</a:t>
-              </a:r>
-              <a:r>
-                <a:rPr lang="en-US" sz="1000" dirty="0" smtClean="0"/>
-                <a:t>)</a:t>
+                <a:t>(MongoDB)</a:t>
               </a:r>
               <a:endParaRPr lang="en-US" sz="1000" dirty="0"/>
             </a:p>
@@ -3374,15 +3366,7 @@
               <a:pPr algn="ctr"/>
               <a:r>
                 <a:rPr lang="en-US" sz="1000" dirty="0" smtClean="0"/>
-                <a:t> (</a:t>
-              </a:r>
-              <a:r>
-                <a:rPr lang="en-US" sz="1000" dirty="0" err="1" smtClean="0"/>
-                <a:t>Node.js</a:t>
-              </a:r>
-              <a:r>
-                <a:rPr lang="en-US" sz="1000" dirty="0" smtClean="0"/>
-                <a:t>)</a:t>
+                <a:t> (Node.js)</a:t>
               </a:r>
               <a:endParaRPr lang="en-US" sz="1000" dirty="0"/>
             </a:p>
@@ -3481,15 +3465,7 @@
               <a:pPr algn="ctr"/>
               <a:r>
                 <a:rPr lang="en-US" sz="1000" dirty="0" smtClean="0"/>
-                <a:t>(</a:t>
-              </a:r>
-              <a:r>
-                <a:rPr lang="en-US" sz="1000" dirty="0" err="1" smtClean="0"/>
-                <a:t>MongoDB</a:t>
-              </a:r>
-              <a:r>
-                <a:rPr lang="en-US" sz="1000" dirty="0" smtClean="0"/>
-                <a:t>)</a:t>
+                <a:t>(MongoDB)</a:t>
               </a:r>
               <a:endParaRPr lang="en-US" sz="1000" dirty="0"/>
             </a:p>
@@ -3549,15 +3525,7 @@
               <a:pPr algn="ctr"/>
               <a:r>
                 <a:rPr lang="en-US" sz="1000" dirty="0" smtClean="0"/>
-                <a:t>(</a:t>
-              </a:r>
-              <a:r>
-                <a:rPr lang="en-US" sz="1000" dirty="0" err="1" smtClean="0"/>
-                <a:t>Node.js</a:t>
-              </a:r>
-              <a:r>
-                <a:rPr lang="en-US" sz="1000" dirty="0" smtClean="0"/>
-                <a:t>)</a:t>
+                <a:t>(Node.js)</a:t>
               </a:r>
               <a:endParaRPr lang="en-US" sz="1000" dirty="0"/>
             </a:p>
@@ -3709,15 +3677,7 @@
               <a:pPr algn="ctr"/>
               <a:r>
                 <a:rPr lang="en-US" sz="1000" dirty="0" smtClean="0"/>
-                <a:t>(</a:t>
-              </a:r>
-              <a:r>
-                <a:rPr lang="en-US" sz="1000" dirty="0" err="1" smtClean="0"/>
-                <a:t>Node.js</a:t>
-              </a:r>
-              <a:r>
-                <a:rPr lang="en-US" sz="1000" dirty="0" smtClean="0"/>
-                <a:t>)</a:t>
+                <a:t>(Node.js)</a:t>
               </a:r>
               <a:endParaRPr lang="en-US" sz="1000" dirty="0"/>
             </a:p>
